--- a/SL_차량용어플리케이션아이디어_Hustar.pptx
+++ b/SL_차량용어플리케이션아이디어_Hustar.pptx
@@ -10122,7 +10122,7 @@
         <p:spPr>
           <a:xfrm>
             <a:off x="1143000" y="4838105"/>
-            <a:ext cx="3994685" cy="1590627"/>
+            <a:ext cx="4101771" cy="1590627"/>
           </a:xfrm>
           <a:prstGeom prst="rect">
             <a:avLst/>
@@ -14831,8 +14831,8 @@
           </a:fontRef>
         </p:style>
       </p:cxnSp>
-      <mc:AlternateContent xmlns:mc="http://schemas.openxmlformats.org/markup-compatibility/2006">
-        <mc:Choice xmlns:a14="http://schemas.microsoft.com/office/drawing/2010/main" Requires="a14">
+      <mc:AlternateContent xmlns:mc="http://schemas.openxmlformats.org/markup-compatibility/2006" xmlns:a14="http://schemas.microsoft.com/office/drawing/2010/main">
+        <mc:Choice Requires="a14">
           <p:sp>
             <p:nvSpPr>
               <p:cNvPr id="10" name="TextBox 9">
@@ -14935,7 +14935,7 @@
             </p:txBody>
           </p:sp>
         </mc:Choice>
-        <mc:Fallback>
+        <mc:Fallback xmlns="">
           <p:sp>
             <p:nvSpPr>
               <p:cNvPr id="10" name="TextBox 9">
@@ -14980,8 +14980,8 @@
           </p:sp>
         </mc:Fallback>
       </mc:AlternateContent>
-      <mc:AlternateContent xmlns:mc="http://schemas.openxmlformats.org/markup-compatibility/2006">
-        <mc:Choice xmlns:a14="http://schemas.microsoft.com/office/drawing/2010/main" Requires="a14">
+      <mc:AlternateContent xmlns:mc="http://schemas.openxmlformats.org/markup-compatibility/2006" xmlns:a14="http://schemas.microsoft.com/office/drawing/2010/main">
+        <mc:Choice Requires="a14">
           <p:sp>
             <p:nvSpPr>
               <p:cNvPr id="32" name="TextBox 31">
@@ -15099,7 +15099,7 @@
             </p:txBody>
           </p:sp>
         </mc:Choice>
-        <mc:Fallback>
+        <mc:Fallback xmlns="">
           <p:sp>
             <p:nvSpPr>
               <p:cNvPr id="32" name="TextBox 31">
@@ -15158,8 +15158,8 @@
         </p:nvSpPr>
         <p:spPr>
           <a:xfrm>
-            <a:off x="4267200" y="3484255"/>
-            <a:ext cx="5105400" cy="530851"/>
+            <a:off x="3886200" y="3484255"/>
+            <a:ext cx="5486400" cy="530851"/>
           </a:xfrm>
           <a:prstGeom prst="rect">
             <a:avLst/>

--- a/SL_차량용어플리케이션아이디어_Hustar.pptx
+++ b/SL_차량용어플리케이션아이디어_Hustar.pptx
@@ -3178,7 +3178,7 @@
         </p:nvGrpSpPr>
         <p:grpSpPr>
           <a:xfrm>
-            <a:off x="2286" y="-810"/>
+            <a:off x="76200" y="-810"/>
             <a:ext cx="18285714" cy="10287000"/>
             <a:chOff x="0" y="0"/>
             <a:chExt cx="18285714" cy="10285714"/>
@@ -5874,7 +5874,7 @@
         <p:spPr>
           <a:xfrm>
             <a:off x="849856" y="4990609"/>
-            <a:ext cx="6312944" cy="1077218"/>
+            <a:ext cx="6617744" cy="1077218"/>
           </a:xfrm>
           <a:prstGeom prst="rect">
             <a:avLst/>
@@ -6630,7 +6630,7 @@
         <p:spPr>
           <a:xfrm>
             <a:off x="533400" y="6051020"/>
-            <a:ext cx="9296400" cy="1200329"/>
+            <a:ext cx="9677400" cy="1200329"/>
           </a:xfrm>
           <a:prstGeom prst="rect">
             <a:avLst/>
@@ -8167,281 +8167,6 @@
       </p:sp>
       <p:sp>
         <p:nvSpPr>
-          <p:cNvPr id="2" name="직사각형 1"/>
-          <p:cNvSpPr/>
-          <p:nvPr/>
-        </p:nvSpPr>
-        <p:spPr>
-          <a:xfrm>
-            <a:off x="433110" y="5949205"/>
-            <a:ext cx="9144000" cy="1569660"/>
-          </a:xfrm>
-          <a:prstGeom prst="rect">
-            <a:avLst/>
-          </a:prstGeom>
-        </p:spPr>
-        <p:txBody>
-          <a:bodyPr>
-            <a:spAutoFit/>
-          </a:bodyPr>
-          <a:lstStyle/>
-          <a:p>
-            <a:r>
-              <a:rPr lang="en-US" altLang="ko-KR" sz="2400" kern="0" spc="-200" dirty="0">
-                <a:latin typeface="나눔고딕" panose="020D0604000000000000" pitchFamily="50" charset="-127"/>
-                <a:ea typeface="나눔고딕" panose="020D0604000000000000" pitchFamily="50" charset="-127"/>
-                <a:cs typeface="나눔고딕 ExtraBold" pitchFamily="34" charset="0"/>
-              </a:rPr>
-              <a:t>C = </a:t>
-            </a:r>
-            <a:r>
-              <a:rPr lang="ko-KR" altLang="en-US" sz="2400" kern="0" spc="-200" dirty="0" err="1">
-                <a:latin typeface="나눔고딕" panose="020D0604000000000000" pitchFamily="50" charset="-127"/>
-                <a:ea typeface="나눔고딕" panose="020D0604000000000000" pitchFamily="50" charset="-127"/>
-                <a:cs typeface="나눔고딕 ExtraBold" pitchFamily="34" charset="0"/>
-              </a:rPr>
-              <a:t>사이드미러</a:t>
-            </a:r>
-            <a:r>
-              <a:rPr lang="ko-KR" altLang="en-US" sz="2400" kern="0" spc="-200" dirty="0">
-                <a:latin typeface="나눔고딕" panose="020D0604000000000000" pitchFamily="50" charset="-127"/>
-                <a:ea typeface="나눔고딕" panose="020D0604000000000000" pitchFamily="50" charset="-127"/>
-                <a:cs typeface="나눔고딕 ExtraBold" pitchFamily="34" charset="0"/>
-              </a:rPr>
-              <a:t> 중앙 </a:t>
-            </a:r>
-            <a:r>
-              <a:rPr lang="en-US" altLang="ko-KR" sz="2400" kern="0" spc="-200" dirty="0">
-                <a:latin typeface="나눔고딕" panose="020D0604000000000000" pitchFamily="50" charset="-127"/>
-                <a:ea typeface="나눔고딕" panose="020D0604000000000000" pitchFamily="50" charset="-127"/>
-                <a:cs typeface="나눔고딕 ExtraBold" pitchFamily="34" charset="0"/>
-              </a:rPr>
-              <a:t>~ </a:t>
-            </a:r>
-          </a:p>
-          <a:p>
-            <a:r>
-              <a:rPr lang="en-US" altLang="ko-KR" sz="2400" kern="0" spc="-200" dirty="0">
-                <a:latin typeface="나눔고딕" panose="020D0604000000000000" pitchFamily="50" charset="-127"/>
-                <a:ea typeface="나눔고딕" panose="020D0604000000000000" pitchFamily="50" charset="-127"/>
-                <a:cs typeface="나눔고딕 ExtraBold" pitchFamily="34" charset="0"/>
-              </a:rPr>
-              <a:t>	</a:t>
-            </a:r>
-            <a:r>
-              <a:rPr lang="ko-KR" altLang="en-US" sz="2400" kern="0" spc="-200" dirty="0" err="1">
-                <a:latin typeface="나눔고딕" panose="020D0604000000000000" pitchFamily="50" charset="-127"/>
-                <a:ea typeface="나눔고딕" panose="020D0604000000000000" pitchFamily="50" charset="-127"/>
-                <a:cs typeface="나눔고딕 ExtraBold" pitchFamily="34" charset="0"/>
-              </a:rPr>
-              <a:t>시트설정</a:t>
-            </a:r>
-            <a:r>
-              <a:rPr lang="ko-KR" altLang="en-US" sz="2400" kern="0" spc="-200" dirty="0">
-                <a:latin typeface="나눔고딕" panose="020D0604000000000000" pitchFamily="50" charset="-127"/>
-                <a:ea typeface="나눔고딕" panose="020D0604000000000000" pitchFamily="50" charset="-127"/>
-                <a:cs typeface="나눔고딕 ExtraBold" pitchFamily="34" charset="0"/>
-              </a:rPr>
-              <a:t> 후 사용자의 </a:t>
-            </a:r>
-            <a:r>
-              <a:rPr lang="ko-KR" altLang="en-US" sz="2400" kern="0" spc="-200" dirty="0" err="1">
-                <a:latin typeface="나눔고딕" panose="020D0604000000000000" pitchFamily="50" charset="-127"/>
-                <a:ea typeface="나눔고딕" panose="020D0604000000000000" pitchFamily="50" charset="-127"/>
-                <a:cs typeface="나눔고딕 ExtraBold" pitchFamily="34" charset="0"/>
-              </a:rPr>
-              <a:t>눈위치</a:t>
-            </a:r>
-            <a:r>
-              <a:rPr lang="ko-KR" altLang="en-US" sz="2400" kern="0" spc="-200" dirty="0">
-                <a:latin typeface="나눔고딕" panose="020D0604000000000000" pitchFamily="50" charset="-127"/>
-                <a:ea typeface="나눔고딕" panose="020D0604000000000000" pitchFamily="50" charset="-127"/>
-                <a:cs typeface="나눔고딕 ExtraBold" pitchFamily="34" charset="0"/>
-              </a:rPr>
-              <a:t> </a:t>
-            </a:r>
-            <a:r>
-              <a:rPr lang="en-US" altLang="ko-KR" sz="2400" kern="0" spc="-200" dirty="0">
-                <a:latin typeface="나눔고딕" panose="020D0604000000000000" pitchFamily="50" charset="-127"/>
-                <a:ea typeface="나눔고딕" panose="020D0604000000000000" pitchFamily="50" charset="-127"/>
-                <a:cs typeface="나눔고딕 ExtraBold" pitchFamily="34" charset="0"/>
-              </a:rPr>
-              <a:t>(</a:t>
-            </a:r>
-            <a:r>
-              <a:rPr lang="ko-KR" altLang="en-US" sz="2400" kern="0" spc="-200" dirty="0">
-                <a:latin typeface="나눔고딕" panose="020D0604000000000000" pitchFamily="50" charset="-127"/>
-                <a:ea typeface="나눔고딕" panose="020D0604000000000000" pitchFamily="50" charset="-127"/>
-                <a:cs typeface="나눔고딕 ExtraBold" pitchFamily="34" charset="0"/>
-              </a:rPr>
-              <a:t>차량 옆면과 수평이 되는 거리</a:t>
-            </a:r>
-            <a:r>
-              <a:rPr lang="en-US" altLang="ko-KR" sz="2400" kern="0" spc="-200" dirty="0">
-                <a:latin typeface="나눔고딕" panose="020D0604000000000000" pitchFamily="50" charset="-127"/>
-                <a:ea typeface="나눔고딕" panose="020D0604000000000000" pitchFamily="50" charset="-127"/>
-                <a:cs typeface="나눔고딕 ExtraBold" pitchFamily="34" charset="0"/>
-              </a:rPr>
-              <a:t>)</a:t>
-            </a:r>
-          </a:p>
-          <a:p>
-            <a:r>
-              <a:rPr lang="en-US" altLang="ko-KR" sz="2400" kern="0" spc="-200" dirty="0">
-                <a:latin typeface="나눔고딕" panose="020D0604000000000000" pitchFamily="50" charset="-127"/>
-                <a:ea typeface="나눔고딕" panose="020D0604000000000000" pitchFamily="50" charset="-127"/>
-                <a:cs typeface="나눔고딕 ExtraBold" pitchFamily="34" charset="0"/>
-              </a:rPr>
-              <a:t>E = </a:t>
-            </a:r>
-            <a:r>
-              <a:rPr lang="ko-KR" altLang="en-US" sz="2400" kern="0" spc="-200" dirty="0" err="1">
-                <a:latin typeface="나눔고딕" panose="020D0604000000000000" pitchFamily="50" charset="-127"/>
-                <a:ea typeface="나눔고딕" panose="020D0604000000000000" pitchFamily="50" charset="-127"/>
-                <a:cs typeface="나눔고딕 ExtraBold" pitchFamily="34" charset="0"/>
-              </a:rPr>
-              <a:t>사이드미러</a:t>
-            </a:r>
-            <a:r>
-              <a:rPr lang="ko-KR" altLang="en-US" sz="2400" kern="0" spc="-200" dirty="0">
-                <a:latin typeface="나눔고딕" panose="020D0604000000000000" pitchFamily="50" charset="-127"/>
-                <a:ea typeface="나눔고딕" panose="020D0604000000000000" pitchFamily="50" charset="-127"/>
-                <a:cs typeface="나눔고딕 ExtraBold" pitchFamily="34" charset="0"/>
-              </a:rPr>
-              <a:t> 중앙 </a:t>
-            </a:r>
-            <a:r>
-              <a:rPr lang="en-US" altLang="ko-KR" sz="2400" kern="0" spc="-200" dirty="0">
-                <a:latin typeface="나눔고딕" panose="020D0604000000000000" pitchFamily="50" charset="-127"/>
-                <a:ea typeface="나눔고딕" panose="020D0604000000000000" pitchFamily="50" charset="-127"/>
-                <a:cs typeface="나눔고딕 ExtraBold" pitchFamily="34" charset="0"/>
-              </a:rPr>
-              <a:t>~ </a:t>
-            </a:r>
-            <a:r>
-              <a:rPr lang="ko-KR" altLang="en-US" sz="2400" kern="0" spc="-200" dirty="0">
-                <a:latin typeface="나눔고딕" panose="020D0604000000000000" pitchFamily="50" charset="-127"/>
-                <a:ea typeface="나눔고딕" panose="020D0604000000000000" pitchFamily="50" charset="-127"/>
-                <a:cs typeface="나눔고딕 ExtraBold" pitchFamily="34" charset="0"/>
-              </a:rPr>
-              <a:t>사용자의 눈높이 </a:t>
-            </a:r>
-            <a:endParaRPr lang="en-US" altLang="ko-KR" sz="2400" kern="0" spc="-200" dirty="0">
-              <a:latin typeface="나눔고딕" panose="020D0604000000000000" pitchFamily="50" charset="-127"/>
-              <a:ea typeface="나눔고딕" panose="020D0604000000000000" pitchFamily="50" charset="-127"/>
-              <a:cs typeface="나눔고딕 ExtraBold" pitchFamily="34" charset="0"/>
-            </a:endParaRPr>
-          </a:p>
-          <a:p>
-            <a:r>
-              <a:rPr lang="en-US" altLang="ko-KR" sz="2400" kern="0" spc="-200" dirty="0">
-                <a:latin typeface="나눔고딕" panose="020D0604000000000000" pitchFamily="50" charset="-127"/>
-                <a:ea typeface="나눔고딕" panose="020D0604000000000000" pitchFamily="50" charset="-127"/>
-                <a:cs typeface="나눔고딕 ExtraBold" pitchFamily="34" charset="0"/>
-              </a:rPr>
-              <a:t>((</a:t>
-            </a:r>
-            <a:r>
-              <a:rPr lang="ko-KR" altLang="en-US" sz="2400" kern="0" spc="-200" dirty="0">
-                <a:latin typeface="나눔고딕" panose="020D0604000000000000" pitchFamily="50" charset="-127"/>
-                <a:ea typeface="나눔고딕" panose="020D0604000000000000" pitchFamily="50" charset="-127"/>
-                <a:cs typeface="나눔고딕 ExtraBold" pitchFamily="34" charset="0"/>
-              </a:rPr>
-              <a:t>바닥 </a:t>
-            </a:r>
-            <a:r>
-              <a:rPr lang="en-US" altLang="ko-KR" sz="2400" kern="0" spc="-200" dirty="0">
-                <a:latin typeface="나눔고딕" panose="020D0604000000000000" pitchFamily="50" charset="-127"/>
-                <a:ea typeface="나눔고딕" panose="020D0604000000000000" pitchFamily="50" charset="-127"/>
-                <a:cs typeface="나눔고딕 ExtraBold" pitchFamily="34" charset="0"/>
-              </a:rPr>
-              <a:t>~ </a:t>
-            </a:r>
-            <a:r>
-              <a:rPr lang="ko-KR" altLang="en-US" sz="2400" kern="0" spc="-200" dirty="0">
-                <a:latin typeface="나눔고딕" panose="020D0604000000000000" pitchFamily="50" charset="-127"/>
-                <a:ea typeface="나눔고딕" panose="020D0604000000000000" pitchFamily="50" charset="-127"/>
-                <a:cs typeface="나눔고딕 ExtraBold" pitchFamily="34" charset="0"/>
-              </a:rPr>
-              <a:t>조정된시트의 높이</a:t>
-            </a:r>
-            <a:r>
-              <a:rPr lang="en-US" altLang="ko-KR" sz="2400" kern="0" spc="-200" dirty="0">
-                <a:latin typeface="나눔고딕" panose="020D0604000000000000" pitchFamily="50" charset="-127"/>
-                <a:ea typeface="나눔고딕" panose="020D0604000000000000" pitchFamily="50" charset="-127"/>
-                <a:cs typeface="나눔고딕 ExtraBold" pitchFamily="34" charset="0"/>
-              </a:rPr>
-              <a:t>) + (</a:t>
-            </a:r>
-            <a:r>
-              <a:rPr lang="ko-KR" altLang="en-US" sz="2400" kern="0" spc="-200" dirty="0">
-                <a:latin typeface="나눔고딕" panose="020D0604000000000000" pitchFamily="50" charset="-127"/>
-                <a:ea typeface="나눔고딕" panose="020D0604000000000000" pitchFamily="50" charset="-127"/>
-                <a:cs typeface="나눔고딕 ExtraBold" pitchFamily="34" charset="0"/>
-              </a:rPr>
-              <a:t>사람의 엉덩이 </a:t>
-            </a:r>
-            <a:r>
-              <a:rPr lang="en-US" altLang="ko-KR" sz="2400" kern="0" spc="-200" dirty="0">
-                <a:latin typeface="나눔고딕" panose="020D0604000000000000" pitchFamily="50" charset="-127"/>
-                <a:ea typeface="나눔고딕" panose="020D0604000000000000" pitchFamily="50" charset="-127"/>
-                <a:cs typeface="나눔고딕 ExtraBold" pitchFamily="34" charset="0"/>
-              </a:rPr>
-              <a:t>~ </a:t>
-            </a:r>
-            <a:r>
-              <a:rPr lang="ko-KR" altLang="en-US" sz="2400" kern="0" spc="-200" dirty="0" err="1">
-                <a:latin typeface="나눔고딕" panose="020D0604000000000000" pitchFamily="50" charset="-127"/>
-                <a:ea typeface="나눔고딕" panose="020D0604000000000000" pitchFamily="50" charset="-127"/>
-                <a:cs typeface="나눔고딕 ExtraBold" pitchFamily="34" charset="0"/>
-              </a:rPr>
-              <a:t>눈위치</a:t>
-            </a:r>
-            <a:r>
-              <a:rPr lang="en-US" altLang="ko-KR" sz="2400" kern="0" spc="-200" dirty="0">
-                <a:latin typeface="나눔고딕" panose="020D0604000000000000" pitchFamily="50" charset="-127"/>
-                <a:ea typeface="나눔고딕" panose="020D0604000000000000" pitchFamily="50" charset="-127"/>
-                <a:cs typeface="나눔고딕 ExtraBold" pitchFamily="34" charset="0"/>
-              </a:rPr>
-              <a:t>) - (</a:t>
-            </a:r>
-            <a:r>
-              <a:rPr lang="ko-KR" altLang="en-US" sz="2400" kern="0" spc="-200" dirty="0">
-                <a:latin typeface="나눔고딕" panose="020D0604000000000000" pitchFamily="50" charset="-127"/>
-                <a:ea typeface="나눔고딕" panose="020D0604000000000000" pitchFamily="50" charset="-127"/>
-                <a:cs typeface="나눔고딕 ExtraBold" pitchFamily="34" charset="0"/>
-              </a:rPr>
-              <a:t>바닥 </a:t>
-            </a:r>
-            <a:r>
-              <a:rPr lang="en-US" altLang="ko-KR" sz="2400" kern="0" spc="-200" dirty="0">
-                <a:latin typeface="나눔고딕" panose="020D0604000000000000" pitchFamily="50" charset="-127"/>
-                <a:ea typeface="나눔고딕" panose="020D0604000000000000" pitchFamily="50" charset="-127"/>
-                <a:cs typeface="나눔고딕 ExtraBold" pitchFamily="34" charset="0"/>
-              </a:rPr>
-              <a:t>~ </a:t>
-            </a:r>
-            <a:r>
-              <a:rPr lang="ko-KR" altLang="en-US" sz="2400" kern="0" spc="-200" dirty="0">
-                <a:latin typeface="나눔고딕" panose="020D0604000000000000" pitchFamily="50" charset="-127"/>
-                <a:ea typeface="나눔고딕" panose="020D0604000000000000" pitchFamily="50" charset="-127"/>
-                <a:cs typeface="나눔고딕 ExtraBold" pitchFamily="34" charset="0"/>
-              </a:rPr>
-              <a:t>미러</a:t>
-            </a:r>
-            <a:r>
-              <a:rPr lang="en-US" altLang="ko-KR" sz="2400" kern="0" spc="-200" dirty="0">
-                <a:latin typeface="나눔고딕" panose="020D0604000000000000" pitchFamily="50" charset="-127"/>
-                <a:ea typeface="나눔고딕" panose="020D0604000000000000" pitchFamily="50" charset="-127"/>
-                <a:cs typeface="나눔고딕 ExtraBold" pitchFamily="34" charset="0"/>
-              </a:rPr>
-              <a:t>)</a:t>
-            </a:r>
-          </a:p>
-        </p:txBody>
-      </p:sp>
-      <p:sp>
-        <p:nvSpPr>
           <p:cNvPr id="15" name="직사각형 14"/>
           <p:cNvSpPr/>
           <p:nvPr/>
@@ -8679,6 +8404,281 @@
           </a:fontRef>
         </p:style>
       </p:cxnSp>
+      <p:sp>
+        <p:nvSpPr>
+          <p:cNvPr id="2" name="직사각형 1"/>
+          <p:cNvSpPr/>
+          <p:nvPr/>
+        </p:nvSpPr>
+        <p:spPr>
+          <a:xfrm>
+            <a:off x="433110" y="5949205"/>
+            <a:ext cx="9144000" cy="1569660"/>
+          </a:xfrm>
+          <a:prstGeom prst="rect">
+            <a:avLst/>
+          </a:prstGeom>
+        </p:spPr>
+        <p:txBody>
+          <a:bodyPr>
+            <a:spAutoFit/>
+          </a:bodyPr>
+          <a:lstStyle/>
+          <a:p>
+            <a:r>
+              <a:rPr lang="en-US" altLang="ko-KR" sz="2400" kern="0" spc="-200" dirty="0">
+                <a:latin typeface="나눔고딕" panose="020D0604000000000000" pitchFamily="50" charset="-127"/>
+                <a:ea typeface="나눔고딕" panose="020D0604000000000000" pitchFamily="50" charset="-127"/>
+                <a:cs typeface="나눔고딕 ExtraBold" pitchFamily="34" charset="0"/>
+              </a:rPr>
+              <a:t>C = </a:t>
+            </a:r>
+            <a:r>
+              <a:rPr lang="ko-KR" altLang="en-US" sz="2400" kern="0" spc="-200" dirty="0" err="1">
+                <a:latin typeface="나눔고딕" panose="020D0604000000000000" pitchFamily="50" charset="-127"/>
+                <a:ea typeface="나눔고딕" panose="020D0604000000000000" pitchFamily="50" charset="-127"/>
+                <a:cs typeface="나눔고딕 ExtraBold" pitchFamily="34" charset="0"/>
+              </a:rPr>
+              <a:t>사이드미러</a:t>
+            </a:r>
+            <a:r>
+              <a:rPr lang="ko-KR" altLang="en-US" sz="2400" kern="0" spc="-200" dirty="0">
+                <a:latin typeface="나눔고딕" panose="020D0604000000000000" pitchFamily="50" charset="-127"/>
+                <a:ea typeface="나눔고딕" panose="020D0604000000000000" pitchFamily="50" charset="-127"/>
+                <a:cs typeface="나눔고딕 ExtraBold" pitchFamily="34" charset="0"/>
+              </a:rPr>
+              <a:t> 중앙 </a:t>
+            </a:r>
+            <a:r>
+              <a:rPr lang="en-US" altLang="ko-KR" sz="2400" kern="0" spc="-200" dirty="0">
+                <a:latin typeface="나눔고딕" panose="020D0604000000000000" pitchFamily="50" charset="-127"/>
+                <a:ea typeface="나눔고딕" panose="020D0604000000000000" pitchFamily="50" charset="-127"/>
+                <a:cs typeface="나눔고딕 ExtraBold" pitchFamily="34" charset="0"/>
+              </a:rPr>
+              <a:t>~ </a:t>
+            </a:r>
+          </a:p>
+          <a:p>
+            <a:r>
+              <a:rPr lang="en-US" altLang="ko-KR" sz="2400" kern="0" spc="-200" dirty="0">
+                <a:latin typeface="나눔고딕" panose="020D0604000000000000" pitchFamily="50" charset="-127"/>
+                <a:ea typeface="나눔고딕" panose="020D0604000000000000" pitchFamily="50" charset="-127"/>
+                <a:cs typeface="나눔고딕 ExtraBold" pitchFamily="34" charset="0"/>
+              </a:rPr>
+              <a:t>	</a:t>
+            </a:r>
+            <a:r>
+              <a:rPr lang="ko-KR" altLang="en-US" sz="2400" kern="0" spc="-200" dirty="0" err="1">
+                <a:latin typeface="나눔고딕" panose="020D0604000000000000" pitchFamily="50" charset="-127"/>
+                <a:ea typeface="나눔고딕" panose="020D0604000000000000" pitchFamily="50" charset="-127"/>
+                <a:cs typeface="나눔고딕 ExtraBold" pitchFamily="34" charset="0"/>
+              </a:rPr>
+              <a:t>시트설정</a:t>
+            </a:r>
+            <a:r>
+              <a:rPr lang="ko-KR" altLang="en-US" sz="2400" kern="0" spc="-200" dirty="0">
+                <a:latin typeface="나눔고딕" panose="020D0604000000000000" pitchFamily="50" charset="-127"/>
+                <a:ea typeface="나눔고딕" panose="020D0604000000000000" pitchFamily="50" charset="-127"/>
+                <a:cs typeface="나눔고딕 ExtraBold" pitchFamily="34" charset="0"/>
+              </a:rPr>
+              <a:t> 후 사용자의 </a:t>
+            </a:r>
+            <a:r>
+              <a:rPr lang="ko-KR" altLang="en-US" sz="2400" kern="0" spc="-200" dirty="0" err="1">
+                <a:latin typeface="나눔고딕" panose="020D0604000000000000" pitchFamily="50" charset="-127"/>
+                <a:ea typeface="나눔고딕" panose="020D0604000000000000" pitchFamily="50" charset="-127"/>
+                <a:cs typeface="나눔고딕 ExtraBold" pitchFamily="34" charset="0"/>
+              </a:rPr>
+              <a:t>눈위치</a:t>
+            </a:r>
+            <a:r>
+              <a:rPr lang="ko-KR" altLang="en-US" sz="2400" kern="0" spc="-200" dirty="0">
+                <a:latin typeface="나눔고딕" panose="020D0604000000000000" pitchFamily="50" charset="-127"/>
+                <a:ea typeface="나눔고딕" panose="020D0604000000000000" pitchFamily="50" charset="-127"/>
+                <a:cs typeface="나눔고딕 ExtraBold" pitchFamily="34" charset="0"/>
+              </a:rPr>
+              <a:t> </a:t>
+            </a:r>
+            <a:r>
+              <a:rPr lang="en-US" altLang="ko-KR" sz="2400" kern="0" spc="-200" dirty="0">
+                <a:latin typeface="나눔고딕" panose="020D0604000000000000" pitchFamily="50" charset="-127"/>
+                <a:ea typeface="나눔고딕" panose="020D0604000000000000" pitchFamily="50" charset="-127"/>
+                <a:cs typeface="나눔고딕 ExtraBold" pitchFamily="34" charset="0"/>
+              </a:rPr>
+              <a:t>(</a:t>
+            </a:r>
+            <a:r>
+              <a:rPr lang="ko-KR" altLang="en-US" sz="2400" kern="0" spc="-200" dirty="0">
+                <a:latin typeface="나눔고딕" panose="020D0604000000000000" pitchFamily="50" charset="-127"/>
+                <a:ea typeface="나눔고딕" panose="020D0604000000000000" pitchFamily="50" charset="-127"/>
+                <a:cs typeface="나눔고딕 ExtraBold" pitchFamily="34" charset="0"/>
+              </a:rPr>
+              <a:t>차량 옆면과 수평이 되는 거리</a:t>
+            </a:r>
+            <a:r>
+              <a:rPr lang="en-US" altLang="ko-KR" sz="2400" kern="0" spc="-200" dirty="0">
+                <a:latin typeface="나눔고딕" panose="020D0604000000000000" pitchFamily="50" charset="-127"/>
+                <a:ea typeface="나눔고딕" panose="020D0604000000000000" pitchFamily="50" charset="-127"/>
+                <a:cs typeface="나눔고딕 ExtraBold" pitchFamily="34" charset="0"/>
+              </a:rPr>
+              <a:t>)</a:t>
+            </a:r>
+          </a:p>
+          <a:p>
+            <a:r>
+              <a:rPr lang="en-US" altLang="ko-KR" sz="2400" kern="0" spc="-200" dirty="0">
+                <a:latin typeface="나눔고딕" panose="020D0604000000000000" pitchFamily="50" charset="-127"/>
+                <a:ea typeface="나눔고딕" panose="020D0604000000000000" pitchFamily="50" charset="-127"/>
+                <a:cs typeface="나눔고딕 ExtraBold" pitchFamily="34" charset="0"/>
+              </a:rPr>
+              <a:t>E = </a:t>
+            </a:r>
+            <a:r>
+              <a:rPr lang="ko-KR" altLang="en-US" sz="2400" kern="0" spc="-200" dirty="0" err="1">
+                <a:latin typeface="나눔고딕" panose="020D0604000000000000" pitchFamily="50" charset="-127"/>
+                <a:ea typeface="나눔고딕" panose="020D0604000000000000" pitchFamily="50" charset="-127"/>
+                <a:cs typeface="나눔고딕 ExtraBold" pitchFamily="34" charset="0"/>
+              </a:rPr>
+              <a:t>사이드미러</a:t>
+            </a:r>
+            <a:r>
+              <a:rPr lang="ko-KR" altLang="en-US" sz="2400" kern="0" spc="-200" dirty="0">
+                <a:latin typeface="나눔고딕" panose="020D0604000000000000" pitchFamily="50" charset="-127"/>
+                <a:ea typeface="나눔고딕" panose="020D0604000000000000" pitchFamily="50" charset="-127"/>
+                <a:cs typeface="나눔고딕 ExtraBold" pitchFamily="34" charset="0"/>
+              </a:rPr>
+              <a:t> 중앙 </a:t>
+            </a:r>
+            <a:r>
+              <a:rPr lang="en-US" altLang="ko-KR" sz="2400" kern="0" spc="-200" dirty="0">
+                <a:latin typeface="나눔고딕" panose="020D0604000000000000" pitchFamily="50" charset="-127"/>
+                <a:ea typeface="나눔고딕" panose="020D0604000000000000" pitchFamily="50" charset="-127"/>
+                <a:cs typeface="나눔고딕 ExtraBold" pitchFamily="34" charset="0"/>
+              </a:rPr>
+              <a:t>~ </a:t>
+            </a:r>
+            <a:r>
+              <a:rPr lang="ko-KR" altLang="en-US" sz="2400" kern="0" spc="-200" dirty="0">
+                <a:latin typeface="나눔고딕" panose="020D0604000000000000" pitchFamily="50" charset="-127"/>
+                <a:ea typeface="나눔고딕" panose="020D0604000000000000" pitchFamily="50" charset="-127"/>
+                <a:cs typeface="나눔고딕 ExtraBold" pitchFamily="34" charset="0"/>
+              </a:rPr>
+              <a:t>사용자의 눈높이 </a:t>
+            </a:r>
+            <a:endParaRPr lang="en-US" altLang="ko-KR" sz="2400" kern="0" spc="-200" dirty="0">
+              <a:latin typeface="나눔고딕" panose="020D0604000000000000" pitchFamily="50" charset="-127"/>
+              <a:ea typeface="나눔고딕" panose="020D0604000000000000" pitchFamily="50" charset="-127"/>
+              <a:cs typeface="나눔고딕 ExtraBold" pitchFamily="34" charset="0"/>
+            </a:endParaRPr>
+          </a:p>
+          <a:p>
+            <a:r>
+              <a:rPr lang="en-US" altLang="ko-KR" sz="2400" kern="0" spc="-200" dirty="0">
+                <a:latin typeface="나눔고딕" panose="020D0604000000000000" pitchFamily="50" charset="-127"/>
+                <a:ea typeface="나눔고딕" panose="020D0604000000000000" pitchFamily="50" charset="-127"/>
+                <a:cs typeface="나눔고딕 ExtraBold" pitchFamily="34" charset="0"/>
+              </a:rPr>
+              <a:t>((</a:t>
+            </a:r>
+            <a:r>
+              <a:rPr lang="ko-KR" altLang="en-US" sz="2400" kern="0" spc="-200" dirty="0">
+                <a:latin typeface="나눔고딕" panose="020D0604000000000000" pitchFamily="50" charset="-127"/>
+                <a:ea typeface="나눔고딕" panose="020D0604000000000000" pitchFamily="50" charset="-127"/>
+                <a:cs typeface="나눔고딕 ExtraBold" pitchFamily="34" charset="0"/>
+              </a:rPr>
+              <a:t>바닥 </a:t>
+            </a:r>
+            <a:r>
+              <a:rPr lang="en-US" altLang="ko-KR" sz="2400" kern="0" spc="-200" dirty="0">
+                <a:latin typeface="나눔고딕" panose="020D0604000000000000" pitchFamily="50" charset="-127"/>
+                <a:ea typeface="나눔고딕" panose="020D0604000000000000" pitchFamily="50" charset="-127"/>
+                <a:cs typeface="나눔고딕 ExtraBold" pitchFamily="34" charset="0"/>
+              </a:rPr>
+              <a:t>~ </a:t>
+            </a:r>
+            <a:r>
+              <a:rPr lang="ko-KR" altLang="en-US" sz="2400" kern="0" spc="-200" dirty="0">
+                <a:latin typeface="나눔고딕" panose="020D0604000000000000" pitchFamily="50" charset="-127"/>
+                <a:ea typeface="나눔고딕" panose="020D0604000000000000" pitchFamily="50" charset="-127"/>
+                <a:cs typeface="나눔고딕 ExtraBold" pitchFamily="34" charset="0"/>
+              </a:rPr>
+              <a:t>조정된시트의 높이</a:t>
+            </a:r>
+            <a:r>
+              <a:rPr lang="en-US" altLang="ko-KR" sz="2400" kern="0" spc="-200" dirty="0">
+                <a:latin typeface="나눔고딕" panose="020D0604000000000000" pitchFamily="50" charset="-127"/>
+                <a:ea typeface="나눔고딕" panose="020D0604000000000000" pitchFamily="50" charset="-127"/>
+                <a:cs typeface="나눔고딕 ExtraBold" pitchFamily="34" charset="0"/>
+              </a:rPr>
+              <a:t>) + (</a:t>
+            </a:r>
+            <a:r>
+              <a:rPr lang="ko-KR" altLang="en-US" sz="2400" kern="0" spc="-200" dirty="0">
+                <a:latin typeface="나눔고딕" panose="020D0604000000000000" pitchFamily="50" charset="-127"/>
+                <a:ea typeface="나눔고딕" panose="020D0604000000000000" pitchFamily="50" charset="-127"/>
+                <a:cs typeface="나눔고딕 ExtraBold" pitchFamily="34" charset="0"/>
+              </a:rPr>
+              <a:t>사람의 엉덩이 </a:t>
+            </a:r>
+            <a:r>
+              <a:rPr lang="en-US" altLang="ko-KR" sz="2400" kern="0" spc="-200" dirty="0">
+                <a:latin typeface="나눔고딕" panose="020D0604000000000000" pitchFamily="50" charset="-127"/>
+                <a:ea typeface="나눔고딕" panose="020D0604000000000000" pitchFamily="50" charset="-127"/>
+                <a:cs typeface="나눔고딕 ExtraBold" pitchFamily="34" charset="0"/>
+              </a:rPr>
+              <a:t>~ </a:t>
+            </a:r>
+            <a:r>
+              <a:rPr lang="ko-KR" altLang="en-US" sz="2400" kern="0" spc="-200" dirty="0" err="1">
+                <a:latin typeface="나눔고딕" panose="020D0604000000000000" pitchFamily="50" charset="-127"/>
+                <a:ea typeface="나눔고딕" panose="020D0604000000000000" pitchFamily="50" charset="-127"/>
+                <a:cs typeface="나눔고딕 ExtraBold" pitchFamily="34" charset="0"/>
+              </a:rPr>
+              <a:t>눈위치</a:t>
+            </a:r>
+            <a:r>
+              <a:rPr lang="en-US" altLang="ko-KR" sz="2400" kern="0" spc="-200" dirty="0">
+                <a:latin typeface="나눔고딕" panose="020D0604000000000000" pitchFamily="50" charset="-127"/>
+                <a:ea typeface="나눔고딕" panose="020D0604000000000000" pitchFamily="50" charset="-127"/>
+                <a:cs typeface="나눔고딕 ExtraBold" pitchFamily="34" charset="0"/>
+              </a:rPr>
+              <a:t>) - (</a:t>
+            </a:r>
+            <a:r>
+              <a:rPr lang="ko-KR" altLang="en-US" sz="2400" kern="0" spc="-200" dirty="0">
+                <a:latin typeface="나눔고딕" panose="020D0604000000000000" pitchFamily="50" charset="-127"/>
+                <a:ea typeface="나눔고딕" panose="020D0604000000000000" pitchFamily="50" charset="-127"/>
+                <a:cs typeface="나눔고딕 ExtraBold" pitchFamily="34" charset="0"/>
+              </a:rPr>
+              <a:t>바닥 </a:t>
+            </a:r>
+            <a:r>
+              <a:rPr lang="en-US" altLang="ko-KR" sz="2400" kern="0" spc="-200" dirty="0">
+                <a:latin typeface="나눔고딕" panose="020D0604000000000000" pitchFamily="50" charset="-127"/>
+                <a:ea typeface="나눔고딕" panose="020D0604000000000000" pitchFamily="50" charset="-127"/>
+                <a:cs typeface="나눔고딕 ExtraBold" pitchFamily="34" charset="0"/>
+              </a:rPr>
+              <a:t>~ </a:t>
+            </a:r>
+            <a:r>
+              <a:rPr lang="ko-KR" altLang="en-US" sz="2400" kern="0" spc="-200" dirty="0">
+                <a:latin typeface="나눔고딕" panose="020D0604000000000000" pitchFamily="50" charset="-127"/>
+                <a:ea typeface="나눔고딕" panose="020D0604000000000000" pitchFamily="50" charset="-127"/>
+                <a:cs typeface="나눔고딕 ExtraBold" pitchFamily="34" charset="0"/>
+              </a:rPr>
+              <a:t>미러</a:t>
+            </a:r>
+            <a:r>
+              <a:rPr lang="en-US" altLang="ko-KR" sz="2400" kern="0" spc="-200" dirty="0">
+                <a:latin typeface="나눔고딕" panose="020D0604000000000000" pitchFamily="50" charset="-127"/>
+                <a:ea typeface="나눔고딕" panose="020D0604000000000000" pitchFamily="50" charset="-127"/>
+                <a:cs typeface="나눔고딕 ExtraBold" pitchFamily="34" charset="0"/>
+              </a:rPr>
+              <a:t>)</a:t>
+            </a:r>
+          </a:p>
+        </p:txBody>
+      </p:sp>
     </p:spTree>
   </p:cSld>
   <p:clrMapOvr>
@@ -10670,8 +10670,8 @@
         </p:nvSpPr>
         <p:spPr>
           <a:xfrm>
-            <a:off x="5269095" y="4796705"/>
-            <a:ext cx="2929619" cy="1590627"/>
+            <a:off x="5270522" y="4796705"/>
+            <a:ext cx="3723584" cy="1590627"/>
           </a:xfrm>
           <a:prstGeom prst="rect">
             <a:avLst/>
@@ -10732,34 +10732,50 @@
                 <a:ea typeface="나눔고딕" panose="020D0604000000000000" pitchFamily="50" charset="-127"/>
                 <a:cs typeface="Noto Sans CJK KR DemiLight" pitchFamily="34" charset="0"/>
               </a:rPr>
-              <a:t>수학적 모델 제시</a:t>
-            </a:r>
-            <a:endParaRPr lang="en-US" dirty="0">
+              <a:t>수학적 </a:t>
+            </a:r>
+            <a:r>
+              <a:rPr lang="en-US" sz="2000" kern="0" spc="-100" dirty="0" err="1">
+                <a:solidFill>
+                  <a:srgbClr val="000000"/>
+                </a:solidFill>
+                <a:latin typeface="나눔고딕" panose="020D0604000000000000" pitchFamily="50" charset="-127"/>
+                <a:ea typeface="나눔고딕" panose="020D0604000000000000" pitchFamily="50" charset="-127"/>
+                <a:cs typeface="Noto Sans CJK KR DemiLight" pitchFamily="34" charset="0"/>
+              </a:rPr>
+              <a:t>모델</a:t>
+            </a:r>
+            <a:r>
+              <a:rPr lang="en-US" sz="2000" kern="0" spc="-100" dirty="0">
+                <a:solidFill>
+                  <a:srgbClr val="000000"/>
+                </a:solidFill>
+                <a:latin typeface="나눔고딕" panose="020D0604000000000000" pitchFamily="50" charset="-127"/>
+                <a:ea typeface="나눔고딕" panose="020D0604000000000000" pitchFamily="50" charset="-127"/>
+                <a:cs typeface="Noto Sans CJK KR DemiLight" pitchFamily="34" charset="0"/>
+              </a:rPr>
+              <a:t> </a:t>
+            </a:r>
+            <a:r>
+              <a:rPr lang="en-US" sz="2000" kern="0" spc="-100" dirty="0" err="1">
+                <a:solidFill>
+                  <a:srgbClr val="000000"/>
+                </a:solidFill>
+                <a:latin typeface="나눔고딕" panose="020D0604000000000000" pitchFamily="50" charset="-127"/>
+                <a:ea typeface="나눔고딕" panose="020D0604000000000000" pitchFamily="50" charset="-127"/>
+                <a:cs typeface="Noto Sans CJK KR DemiLight" pitchFamily="34" charset="0"/>
+              </a:rPr>
+              <a:t>제시</a:t>
+            </a:r>
+            <a:endParaRPr lang="en-US" sz="2000" kern="0" spc="-100" dirty="0">
+              <a:solidFill>
+                <a:srgbClr val="000000"/>
+              </a:solidFill>
               <a:latin typeface="나눔고딕" panose="020D0604000000000000" pitchFamily="50" charset="-127"/>
               <a:ea typeface="나눔고딕" panose="020D0604000000000000" pitchFamily="50" charset="-127"/>
+              <a:cs typeface="Noto Sans CJK KR DemiLight" pitchFamily="34" charset="0"/>
             </a:endParaRPr>
           </a:p>
-        </p:txBody>
-      </p:sp>
-      <p:sp>
-        <p:nvSpPr>
-          <p:cNvPr id="44" name="Object 44"/>
-          <p:cNvSpPr txBox="1"/>
-          <p:nvPr/>
-        </p:nvSpPr>
-        <p:spPr>
-          <a:xfrm>
-            <a:off x="9380181" y="4754114"/>
-            <a:ext cx="3491928" cy="1590627"/>
-          </a:xfrm>
-          <a:prstGeom prst="rect">
-            <a:avLst/>
-          </a:prstGeom>
-          <a:noFill/>
-        </p:spPr>
-        <p:txBody>
-          <a:bodyPr wrap="square" rtlCol="0"/>
-          <a:lstStyle/>
           <a:p>
             <a:pPr algn="just">
               <a:lnSpc>
@@ -10767,7 +10783,7 @@
               </a:lnSpc>
             </a:pPr>
             <a:r>
-              <a:rPr lang="en-US" sz="2000" kern="0" spc="-100" dirty="0">
+              <a:rPr lang="en-US" altLang="ko-KR" sz="2000" kern="0" spc="-100" dirty="0" err="1">
                 <a:solidFill>
                   <a:srgbClr val="000000"/>
                 </a:solidFill>
@@ -10775,8 +10791,82 @@
                 <a:ea typeface="나눔고딕" panose="020D0604000000000000" pitchFamily="50" charset="-127"/>
                 <a:cs typeface="Noto Sans CJK KR DemiLight" pitchFamily="34" charset="0"/>
               </a:rPr>
-              <a:t>알고리즘 개발</a:t>
-            </a:r>
+              <a:t>서버를</a:t>
+            </a:r>
+            <a:r>
+              <a:rPr lang="en-US" altLang="ko-KR" sz="2000" kern="0" spc="-100" dirty="0">
+                <a:solidFill>
+                  <a:srgbClr val="000000"/>
+                </a:solidFill>
+                <a:latin typeface="나눔고딕" panose="020D0604000000000000" pitchFamily="50" charset="-127"/>
+                <a:ea typeface="나눔고딕" panose="020D0604000000000000" pitchFamily="50" charset="-127"/>
+                <a:cs typeface="Noto Sans CJK KR DemiLight" pitchFamily="34" charset="0"/>
+              </a:rPr>
+              <a:t> </a:t>
+            </a:r>
+            <a:r>
+              <a:rPr lang="en-US" altLang="ko-KR" sz="2000" kern="0" spc="-100" dirty="0" err="1">
+                <a:solidFill>
+                  <a:srgbClr val="000000"/>
+                </a:solidFill>
+                <a:latin typeface="나눔고딕" panose="020D0604000000000000" pitchFamily="50" charset="-127"/>
+                <a:ea typeface="나눔고딕" panose="020D0604000000000000" pitchFamily="50" charset="-127"/>
+                <a:cs typeface="Noto Sans CJK KR DemiLight" pitchFamily="34" charset="0"/>
+              </a:rPr>
+              <a:t>이용한</a:t>
+            </a:r>
+            <a:r>
+              <a:rPr lang="en-US" altLang="ko-KR" sz="2000" kern="0" spc="-100" dirty="0">
+                <a:solidFill>
+                  <a:srgbClr val="000000"/>
+                </a:solidFill>
+                <a:latin typeface="나눔고딕" panose="020D0604000000000000" pitchFamily="50" charset="-127"/>
+                <a:ea typeface="나눔고딕" panose="020D0604000000000000" pitchFamily="50" charset="-127"/>
+                <a:cs typeface="Noto Sans CJK KR DemiLight" pitchFamily="34" charset="0"/>
+              </a:rPr>
+              <a:t> </a:t>
+            </a:r>
+            <a:r>
+              <a:rPr lang="en-US" altLang="ko-KR" sz="2000" kern="0" spc="-100" dirty="0" err="1">
+                <a:solidFill>
+                  <a:srgbClr val="000000"/>
+                </a:solidFill>
+                <a:latin typeface="나눔고딕" panose="020D0604000000000000" pitchFamily="50" charset="-127"/>
+                <a:ea typeface="나눔고딕" panose="020D0604000000000000" pitchFamily="50" charset="-127"/>
+                <a:cs typeface="Noto Sans CJK KR DemiLight" pitchFamily="34" charset="0"/>
+              </a:rPr>
+              <a:t>통신</a:t>
+            </a:r>
+            <a:r>
+              <a:rPr lang="en-US" altLang="ko-KR" sz="2000" kern="0" spc="-100" dirty="0">
+                <a:solidFill>
+                  <a:srgbClr val="000000"/>
+                </a:solidFill>
+                <a:latin typeface="나눔고딕" panose="020D0604000000000000" pitchFamily="50" charset="-127"/>
+                <a:ea typeface="나눔고딕" panose="020D0604000000000000" pitchFamily="50" charset="-127"/>
+                <a:cs typeface="Noto Sans CJK KR DemiLight" pitchFamily="34" charset="0"/>
+              </a:rPr>
+              <a:t> App </a:t>
+            </a:r>
+            <a:r>
+              <a:rPr lang="en-US" altLang="ko-KR" sz="2000" kern="0" spc="-100" dirty="0" err="1">
+                <a:solidFill>
+                  <a:srgbClr val="000000"/>
+                </a:solidFill>
+                <a:latin typeface="나눔고딕" panose="020D0604000000000000" pitchFamily="50" charset="-127"/>
+                <a:ea typeface="나눔고딕" panose="020D0604000000000000" pitchFamily="50" charset="-127"/>
+                <a:cs typeface="Noto Sans CJK KR DemiLight" pitchFamily="34" charset="0"/>
+              </a:rPr>
+              <a:t>제작</a:t>
+            </a:r>
+            <a:endParaRPr lang="en-US" altLang="ko-KR" sz="2000" kern="0" spc="-100" dirty="0">
+              <a:solidFill>
+                <a:srgbClr val="000000"/>
+              </a:solidFill>
+              <a:latin typeface="나눔고딕" panose="020D0604000000000000" pitchFamily="50" charset="-127"/>
+              <a:ea typeface="나눔고딕" panose="020D0604000000000000" pitchFamily="50" charset="-127"/>
+              <a:cs typeface="Noto Sans CJK KR DemiLight" pitchFamily="34" charset="0"/>
+            </a:endParaRPr>
           </a:p>
           <a:p>
             <a:pPr algn="just">
@@ -10784,18 +10874,32 @@
                 <a:spcPts val="2600"/>
               </a:lnSpc>
             </a:pPr>
-            <a:r>
-              <a:rPr lang="en-US" sz="2000" kern="0" spc="-100" dirty="0">
-                <a:solidFill>
-                  <a:srgbClr val="000000"/>
-                </a:solidFill>
-                <a:latin typeface="나눔고딕" panose="020D0604000000000000" pitchFamily="50" charset="-127"/>
-                <a:ea typeface="나눔고딕" panose="020D0604000000000000" pitchFamily="50" charset="-127"/>
-                <a:cs typeface="Noto Sans CJK KR DemiLight" pitchFamily="34" charset="0"/>
-              </a:rPr>
-              <a:t>실측 data 수집</a:t>
-            </a:r>
-          </a:p>
+            <a:endParaRPr lang="en-US" dirty="0">
+              <a:latin typeface="나눔고딕" panose="020D0604000000000000" pitchFamily="50" charset="-127"/>
+              <a:ea typeface="나눔고딕" panose="020D0604000000000000" pitchFamily="50" charset="-127"/>
+            </a:endParaRPr>
+          </a:p>
+        </p:txBody>
+      </p:sp>
+      <p:sp>
+        <p:nvSpPr>
+          <p:cNvPr id="44" name="Object 44"/>
+          <p:cNvSpPr txBox="1"/>
+          <p:nvPr/>
+        </p:nvSpPr>
+        <p:spPr>
+          <a:xfrm>
+            <a:off x="9380181" y="4754114"/>
+            <a:ext cx="3491928" cy="1590627"/>
+          </a:xfrm>
+          <a:prstGeom prst="rect">
+            <a:avLst/>
+          </a:prstGeom>
+          <a:noFill/>
+        </p:spPr>
+        <p:txBody>
+          <a:bodyPr wrap="square" rtlCol="0"/>
+          <a:lstStyle/>
           <a:p>
             <a:pPr algn="just">
               <a:lnSpc>
@@ -10803,42 +10907,47 @@
               </a:lnSpc>
             </a:pPr>
             <a:r>
-              <a:rPr lang="en-US" sz="2000" dirty="0">
+              <a:rPr lang="en-US" altLang="ko-KR" sz="2000" kern="0" spc="-100" dirty="0" err="1">
                 <a:solidFill>
                   <a:srgbClr val="000000"/>
                 </a:solidFill>
                 <a:latin typeface="나눔고딕" panose="020D0604000000000000" pitchFamily="50" charset="-127"/>
                 <a:ea typeface="나눔고딕" panose="020D0604000000000000" pitchFamily="50" charset="-127"/>
-                <a:cs typeface="Noto Sans CJK KR Regular" pitchFamily="34" charset="0"/>
-              </a:rPr>
-              <a:t>Vpython 시뮬레이션 구현</a:t>
-            </a:r>
-            <a:endParaRPr lang="en-US" dirty="0">
+                <a:cs typeface="Noto Sans CJK KR DemiLight" pitchFamily="34" charset="0"/>
+              </a:rPr>
+              <a:t>실측</a:t>
+            </a:r>
+            <a:r>
+              <a:rPr lang="en-US" altLang="ko-KR" sz="2000" kern="0" spc="-100" dirty="0">
+                <a:solidFill>
+                  <a:srgbClr val="000000"/>
+                </a:solidFill>
+                <a:latin typeface="나눔고딕" panose="020D0604000000000000" pitchFamily="50" charset="-127"/>
+                <a:ea typeface="나눔고딕" panose="020D0604000000000000" pitchFamily="50" charset="-127"/>
+                <a:cs typeface="Noto Sans CJK KR DemiLight" pitchFamily="34" charset="0"/>
+              </a:rPr>
+              <a:t> data </a:t>
+            </a:r>
+            <a:r>
+              <a:rPr lang="en-US" altLang="ko-KR" sz="2000" kern="0" spc="-100" dirty="0" err="1">
+                <a:solidFill>
+                  <a:srgbClr val="000000"/>
+                </a:solidFill>
+                <a:latin typeface="나눔고딕" panose="020D0604000000000000" pitchFamily="50" charset="-127"/>
+                <a:ea typeface="나눔고딕" panose="020D0604000000000000" pitchFamily="50" charset="-127"/>
+                <a:cs typeface="Noto Sans CJK KR DemiLight" pitchFamily="34" charset="0"/>
+              </a:rPr>
+              <a:t>수집</a:t>
+            </a:r>
+            <a:endParaRPr lang="en-US" sz="2000" kern="0" spc="-100" dirty="0">
+              <a:solidFill>
+                <a:srgbClr val="000000"/>
+              </a:solidFill>
               <a:latin typeface="나눔고딕" panose="020D0604000000000000" pitchFamily="50" charset="-127"/>
               <a:ea typeface="나눔고딕" panose="020D0604000000000000" pitchFamily="50" charset="-127"/>
+              <a:cs typeface="Noto Sans CJK KR DemiLight" pitchFamily="34" charset="0"/>
             </a:endParaRPr>
           </a:p>
-        </p:txBody>
-      </p:sp>
-      <p:sp>
-        <p:nvSpPr>
-          <p:cNvPr id="45" name="Object 45"/>
-          <p:cNvSpPr txBox="1"/>
-          <p:nvPr/>
-        </p:nvSpPr>
-        <p:spPr>
-          <a:xfrm>
-            <a:off x="13524247" y="4796705"/>
-            <a:ext cx="3489551" cy="1066830"/>
-          </a:xfrm>
-          <a:prstGeom prst="rect">
-            <a:avLst/>
-          </a:prstGeom>
-          <a:noFill/>
-        </p:spPr>
-        <p:txBody>
-          <a:bodyPr wrap="square" rtlCol="0"/>
-          <a:lstStyle/>
           <a:p>
             <a:pPr algn="just">
               <a:lnSpc>
@@ -10846,6 +10955,17 @@
               </a:lnSpc>
             </a:pPr>
             <a:r>
+              <a:rPr lang="en-US" sz="2000" kern="0" spc="-100" dirty="0" err="1">
+                <a:solidFill>
+                  <a:srgbClr val="000000"/>
+                </a:solidFill>
+                <a:latin typeface="나눔고딕" panose="020D0604000000000000" pitchFamily="50" charset="-127"/>
+                <a:ea typeface="나눔고딕" panose="020D0604000000000000" pitchFamily="50" charset="-127"/>
+                <a:cs typeface="Noto Sans CJK KR DemiLight" pitchFamily="34" charset="0"/>
+              </a:rPr>
+              <a:t>알고리즘</a:t>
+            </a:r>
+            <a:r>
               <a:rPr lang="en-US" sz="2000" kern="0" spc="-100" dirty="0">
                 <a:solidFill>
                   <a:srgbClr val="000000"/>
@@ -10854,8 +10974,27 @@
                 <a:ea typeface="나눔고딕" panose="020D0604000000000000" pitchFamily="50" charset="-127"/>
                 <a:cs typeface="Noto Sans CJK KR DemiLight" pitchFamily="34" charset="0"/>
               </a:rPr>
-              <a:t>서버를 이용한 통신 App 제작</a:t>
-            </a:r>
+              <a:t> </a:t>
+            </a:r>
+            <a:r>
+              <a:rPr lang="en-US" sz="2000" kern="0" spc="-100" dirty="0" err="1">
+                <a:solidFill>
+                  <a:srgbClr val="000000"/>
+                </a:solidFill>
+                <a:latin typeface="나눔고딕" panose="020D0604000000000000" pitchFamily="50" charset="-127"/>
+                <a:ea typeface="나눔고딕" panose="020D0604000000000000" pitchFamily="50" charset="-127"/>
+                <a:cs typeface="Noto Sans CJK KR DemiLight" pitchFamily="34" charset="0"/>
+              </a:rPr>
+              <a:t>개발</a:t>
+            </a:r>
+            <a:endParaRPr lang="en-US" sz="2000" kern="0" spc="-100" dirty="0">
+              <a:solidFill>
+                <a:srgbClr val="000000"/>
+              </a:solidFill>
+              <a:latin typeface="나눔고딕" panose="020D0604000000000000" pitchFamily="50" charset="-127"/>
+              <a:ea typeface="나눔고딕" panose="020D0604000000000000" pitchFamily="50" charset="-127"/>
+              <a:cs typeface="Noto Sans CJK KR DemiLight" pitchFamily="34" charset="0"/>
+            </a:endParaRPr>
           </a:p>
           <a:p>
             <a:pPr algn="just">
@@ -10864,6 +11003,86 @@
               </a:lnSpc>
             </a:pPr>
             <a:r>
+              <a:rPr lang="en-US" sz="2000" dirty="0">
+                <a:solidFill>
+                  <a:srgbClr val="000000"/>
+                </a:solidFill>
+                <a:latin typeface="나눔고딕" panose="020D0604000000000000" pitchFamily="50" charset="-127"/>
+                <a:ea typeface="나눔고딕" panose="020D0604000000000000" pitchFamily="50" charset="-127"/>
+                <a:cs typeface="Noto Sans CJK KR Regular" pitchFamily="34" charset="0"/>
+              </a:rPr>
+              <a:t>Vpython 시뮬레이션 구현</a:t>
+            </a:r>
+            <a:endParaRPr lang="en-US" dirty="0">
+              <a:latin typeface="나눔고딕" panose="020D0604000000000000" pitchFamily="50" charset="-127"/>
+              <a:ea typeface="나눔고딕" panose="020D0604000000000000" pitchFamily="50" charset="-127"/>
+            </a:endParaRPr>
+          </a:p>
+        </p:txBody>
+      </p:sp>
+      <p:sp>
+        <p:nvSpPr>
+          <p:cNvPr id="45" name="Object 45"/>
+          <p:cNvSpPr txBox="1"/>
+          <p:nvPr/>
+        </p:nvSpPr>
+        <p:spPr>
+          <a:xfrm>
+            <a:off x="13524247" y="4796705"/>
+            <a:ext cx="3489551" cy="1066830"/>
+          </a:xfrm>
+          <a:prstGeom prst="rect">
+            <a:avLst/>
+          </a:prstGeom>
+          <a:noFill/>
+        </p:spPr>
+        <p:txBody>
+          <a:bodyPr wrap="square" rtlCol="0"/>
+          <a:lstStyle/>
+          <a:p>
+            <a:pPr algn="just">
+              <a:lnSpc>
+                <a:spcPts val="2600"/>
+              </a:lnSpc>
+            </a:pPr>
+            <a:r>
+              <a:rPr lang="ko-KR" altLang="en-US" sz="2000" kern="0" spc="-100" dirty="0">
+                <a:solidFill>
+                  <a:srgbClr val="000000"/>
+                </a:solidFill>
+                <a:latin typeface="나눔고딕" panose="020D0604000000000000" pitchFamily="50" charset="-127"/>
+                <a:ea typeface="나눔고딕" panose="020D0604000000000000" pitchFamily="50" charset="-127"/>
+                <a:cs typeface="Noto Sans CJK KR DemiLight" pitchFamily="34" charset="0"/>
+              </a:rPr>
+              <a:t>코드통합</a:t>
+            </a:r>
+            <a:endParaRPr lang="en-US" sz="2000" kern="0" spc="-100" dirty="0">
+              <a:solidFill>
+                <a:srgbClr val="000000"/>
+              </a:solidFill>
+              <a:latin typeface="나눔고딕" panose="020D0604000000000000" pitchFamily="50" charset="-127"/>
+              <a:ea typeface="나눔고딕" panose="020D0604000000000000" pitchFamily="50" charset="-127"/>
+              <a:cs typeface="Noto Sans CJK KR DemiLight" pitchFamily="34" charset="0"/>
+            </a:endParaRPr>
+          </a:p>
+          <a:p>
+            <a:pPr algn="just">
+              <a:lnSpc>
+                <a:spcPts val="2600"/>
+              </a:lnSpc>
+            </a:pPr>
+            <a:r>
+              <a:rPr lang="en-US" sz="2000" kern="0" spc="-100" dirty="0" err="1">
+                <a:solidFill>
+                  <a:srgbClr val="000000"/>
+                </a:solidFill>
+                <a:latin typeface="나눔고딕" panose="020D0604000000000000" pitchFamily="50" charset="-127"/>
+                <a:ea typeface="나눔고딕" panose="020D0604000000000000" pitchFamily="50" charset="-127"/>
+                <a:cs typeface="Noto Sans CJK KR DemiLight" pitchFamily="34" charset="0"/>
+              </a:rPr>
+              <a:t>프로젝트</a:t>
+            </a:r>
+            <a:r>
               <a:rPr lang="en-US" sz="2000" kern="0" spc="-100" dirty="0">
                 <a:solidFill>
                   <a:srgbClr val="000000"/>
@@ -10872,7 +11091,29 @@
                 <a:ea typeface="나눔고딕" panose="020D0604000000000000" pitchFamily="50" charset="-127"/>
                 <a:cs typeface="Noto Sans CJK KR DemiLight" pitchFamily="34" charset="0"/>
               </a:rPr>
-              <a:t>프로젝트 테스트 및 결과 도출</a:t>
+              <a:t> </a:t>
+            </a:r>
+            <a:r>
+              <a:rPr lang="en-US" sz="2000" kern="0" spc="-100" dirty="0" err="1">
+                <a:solidFill>
+                  <a:srgbClr val="000000"/>
+                </a:solidFill>
+                <a:latin typeface="나눔고딕" panose="020D0604000000000000" pitchFamily="50" charset="-127"/>
+                <a:ea typeface="나눔고딕" panose="020D0604000000000000" pitchFamily="50" charset="-127"/>
+                <a:cs typeface="Noto Sans CJK KR DemiLight" pitchFamily="34" charset="0"/>
+              </a:rPr>
+              <a:t>테스트</a:t>
+            </a:r>
+            <a:r>
+              <a:rPr lang="en-US" sz="2000" kern="0" spc="-100" dirty="0">
+                <a:solidFill>
+                  <a:srgbClr val="000000"/>
+                </a:solidFill>
+                <a:latin typeface="나눔고딕" panose="020D0604000000000000" pitchFamily="50" charset="-127"/>
+                <a:ea typeface="나눔고딕" panose="020D0604000000000000" pitchFamily="50" charset="-127"/>
+                <a:cs typeface="Noto Sans CJK KR DemiLight" pitchFamily="34" charset="0"/>
+              </a:rPr>
+              <a:t> 및 결과 도출</a:t>
             </a:r>
             <a:endParaRPr lang="en-US" dirty="0">
               <a:latin typeface="나눔고딕" panose="020D0604000000000000" pitchFamily="50" charset="-127"/>
@@ -11744,7 +11985,7 @@
                 <a:ea typeface="나눔고딕" panose="020D0604000000000000" pitchFamily="50" charset="-127"/>
                 <a:cs typeface="Noto Sans CJK KR Regular" pitchFamily="34" charset="0"/>
               </a:rPr>
-              <a:t>Raspber ry PI    :  소형화된 구동장치(사이드미러, 시트) 제어</a:t>
+              <a:t>Raspberry PI    :  소형화된 구동장치(사이드미러, 시트) 제어</a:t>
             </a:r>
           </a:p>
           <a:p>
@@ -11999,7 +12240,7 @@
         <p:spPr>
           <a:xfrm>
             <a:off x="10140388" y="7002051"/>
-            <a:ext cx="6762162" cy="3030610"/>
+            <a:ext cx="7842812" cy="3030610"/>
           </a:xfrm>
           <a:prstGeom prst="rect">
             <a:avLst/>

--- a/SL_차량용어플리케이션아이디어_Hustar.pptx
+++ b/SL_차량용어플리케이션아이디어_Hustar.pptx
@@ -10776,109 +10776,6 @@
               <a:cs typeface="Noto Sans CJK KR DemiLight" pitchFamily="34" charset="0"/>
             </a:endParaRPr>
           </a:p>
-          <a:p>
-            <a:pPr algn="just">
-              <a:lnSpc>
-                <a:spcPts val="2600"/>
-              </a:lnSpc>
-            </a:pPr>
-            <a:r>
-              <a:rPr lang="en-US" altLang="ko-KR" sz="2000" kern="0" spc="-100" dirty="0" err="1">
-                <a:solidFill>
-                  <a:srgbClr val="000000"/>
-                </a:solidFill>
-                <a:latin typeface="나눔고딕" panose="020D0604000000000000" pitchFamily="50" charset="-127"/>
-                <a:ea typeface="나눔고딕" panose="020D0604000000000000" pitchFamily="50" charset="-127"/>
-                <a:cs typeface="Noto Sans CJK KR DemiLight" pitchFamily="34" charset="0"/>
-              </a:rPr>
-              <a:t>서버를</a:t>
-            </a:r>
-            <a:r>
-              <a:rPr lang="en-US" altLang="ko-KR" sz="2000" kern="0" spc="-100" dirty="0">
-                <a:solidFill>
-                  <a:srgbClr val="000000"/>
-                </a:solidFill>
-                <a:latin typeface="나눔고딕" panose="020D0604000000000000" pitchFamily="50" charset="-127"/>
-                <a:ea typeface="나눔고딕" panose="020D0604000000000000" pitchFamily="50" charset="-127"/>
-                <a:cs typeface="Noto Sans CJK KR DemiLight" pitchFamily="34" charset="0"/>
-              </a:rPr>
-              <a:t> </a:t>
-            </a:r>
-            <a:r>
-              <a:rPr lang="en-US" altLang="ko-KR" sz="2000" kern="0" spc="-100" dirty="0" err="1">
-                <a:solidFill>
-                  <a:srgbClr val="000000"/>
-                </a:solidFill>
-                <a:latin typeface="나눔고딕" panose="020D0604000000000000" pitchFamily="50" charset="-127"/>
-                <a:ea typeface="나눔고딕" panose="020D0604000000000000" pitchFamily="50" charset="-127"/>
-                <a:cs typeface="Noto Sans CJK KR DemiLight" pitchFamily="34" charset="0"/>
-              </a:rPr>
-              <a:t>이용한</a:t>
-            </a:r>
-            <a:r>
-              <a:rPr lang="en-US" altLang="ko-KR" sz="2000" kern="0" spc="-100" dirty="0">
-                <a:solidFill>
-                  <a:srgbClr val="000000"/>
-                </a:solidFill>
-                <a:latin typeface="나눔고딕" panose="020D0604000000000000" pitchFamily="50" charset="-127"/>
-                <a:ea typeface="나눔고딕" panose="020D0604000000000000" pitchFamily="50" charset="-127"/>
-                <a:cs typeface="Noto Sans CJK KR DemiLight" pitchFamily="34" charset="0"/>
-              </a:rPr>
-              <a:t> </a:t>
-            </a:r>
-            <a:r>
-              <a:rPr lang="en-US" altLang="ko-KR" sz="2000" kern="0" spc="-100" dirty="0" err="1">
-                <a:solidFill>
-                  <a:srgbClr val="000000"/>
-                </a:solidFill>
-                <a:latin typeface="나눔고딕" panose="020D0604000000000000" pitchFamily="50" charset="-127"/>
-                <a:ea typeface="나눔고딕" panose="020D0604000000000000" pitchFamily="50" charset="-127"/>
-                <a:cs typeface="Noto Sans CJK KR DemiLight" pitchFamily="34" charset="0"/>
-              </a:rPr>
-              <a:t>통신</a:t>
-            </a:r>
-            <a:r>
-              <a:rPr lang="en-US" altLang="ko-KR" sz="2000" kern="0" spc="-100" dirty="0">
-                <a:solidFill>
-                  <a:srgbClr val="000000"/>
-                </a:solidFill>
-                <a:latin typeface="나눔고딕" panose="020D0604000000000000" pitchFamily="50" charset="-127"/>
-                <a:ea typeface="나눔고딕" panose="020D0604000000000000" pitchFamily="50" charset="-127"/>
-                <a:cs typeface="Noto Sans CJK KR DemiLight" pitchFamily="34" charset="0"/>
-              </a:rPr>
-              <a:t> App </a:t>
-            </a:r>
-            <a:r>
-              <a:rPr lang="en-US" altLang="ko-KR" sz="2000" kern="0" spc="-100" dirty="0" err="1">
-                <a:solidFill>
-                  <a:srgbClr val="000000"/>
-                </a:solidFill>
-                <a:latin typeface="나눔고딕" panose="020D0604000000000000" pitchFamily="50" charset="-127"/>
-                <a:ea typeface="나눔고딕" panose="020D0604000000000000" pitchFamily="50" charset="-127"/>
-                <a:cs typeface="Noto Sans CJK KR DemiLight" pitchFamily="34" charset="0"/>
-              </a:rPr>
-              <a:t>제작</a:t>
-            </a:r>
-            <a:endParaRPr lang="en-US" altLang="ko-KR" sz="2000" kern="0" spc="-100" dirty="0">
-              <a:solidFill>
-                <a:srgbClr val="000000"/>
-              </a:solidFill>
-              <a:latin typeface="나눔고딕" panose="020D0604000000000000" pitchFamily="50" charset="-127"/>
-              <a:ea typeface="나눔고딕" panose="020D0604000000000000" pitchFamily="50" charset="-127"/>
-              <a:cs typeface="Noto Sans CJK KR DemiLight" pitchFamily="34" charset="0"/>
-            </a:endParaRPr>
-          </a:p>
-          <a:p>
-            <a:pPr algn="just">
-              <a:lnSpc>
-                <a:spcPts val="2600"/>
-              </a:lnSpc>
-            </a:pPr>
-            <a:endParaRPr lang="en-US" dirty="0">
-              <a:latin typeface="나눔고딕" panose="020D0604000000000000" pitchFamily="50" charset="-127"/>
-              <a:ea typeface="나눔고딕" panose="020D0604000000000000" pitchFamily="50" charset="-127"/>
-            </a:endParaRPr>
-          </a:p>
         </p:txBody>
       </p:sp>
       <p:sp>
@@ -11011,11 +10908,140 @@
                 <a:ea typeface="나눔고딕" panose="020D0604000000000000" pitchFamily="50" charset="-127"/>
                 <a:cs typeface="Noto Sans CJK KR Regular" pitchFamily="34" charset="0"/>
               </a:rPr>
-              <a:t>Vpython 시뮬레이션 구현</a:t>
-            </a:r>
-            <a:endParaRPr lang="en-US" dirty="0">
+              <a:t>Vpython </a:t>
+            </a:r>
+            <a:r>
+              <a:rPr lang="en-US" sz="2000" dirty="0" err="1">
+                <a:solidFill>
+                  <a:srgbClr val="000000"/>
+                </a:solidFill>
+                <a:latin typeface="나눔고딕" panose="020D0604000000000000" pitchFamily="50" charset="-127"/>
+                <a:ea typeface="나눔고딕" panose="020D0604000000000000" pitchFamily="50" charset="-127"/>
+                <a:cs typeface="Noto Sans CJK KR Regular" pitchFamily="34" charset="0"/>
+              </a:rPr>
+              <a:t>시뮬레이션</a:t>
+            </a:r>
+            <a:r>
+              <a:rPr lang="en-US" sz="2000" dirty="0">
+                <a:solidFill>
+                  <a:srgbClr val="000000"/>
+                </a:solidFill>
+                <a:latin typeface="나눔고딕" panose="020D0604000000000000" pitchFamily="50" charset="-127"/>
+                <a:ea typeface="나눔고딕" panose="020D0604000000000000" pitchFamily="50" charset="-127"/>
+                <a:cs typeface="Noto Sans CJK KR Regular" pitchFamily="34" charset="0"/>
+              </a:rPr>
+              <a:t> </a:t>
+            </a:r>
+            <a:r>
+              <a:rPr lang="en-US" sz="2000" dirty="0" err="1">
+                <a:solidFill>
+                  <a:srgbClr val="000000"/>
+                </a:solidFill>
+                <a:latin typeface="나눔고딕" panose="020D0604000000000000" pitchFamily="50" charset="-127"/>
+                <a:ea typeface="나눔고딕" panose="020D0604000000000000" pitchFamily="50" charset="-127"/>
+                <a:cs typeface="Noto Sans CJK KR Regular" pitchFamily="34" charset="0"/>
+              </a:rPr>
+              <a:t>구현</a:t>
+            </a:r>
+            <a:endParaRPr lang="en-US" sz="2000" dirty="0">
+              <a:solidFill>
+                <a:srgbClr val="000000"/>
+              </a:solidFill>
               <a:latin typeface="나눔고딕" panose="020D0604000000000000" pitchFamily="50" charset="-127"/>
               <a:ea typeface="나눔고딕" panose="020D0604000000000000" pitchFamily="50" charset="-127"/>
+              <a:cs typeface="Noto Sans CJK KR Regular" pitchFamily="34" charset="0"/>
+            </a:endParaRPr>
+          </a:p>
+          <a:p>
+            <a:pPr algn="just">
+              <a:lnSpc>
+                <a:spcPts val="2600"/>
+              </a:lnSpc>
+            </a:pPr>
+            <a:r>
+              <a:rPr lang="en-US" altLang="ko-KR" sz="1800" kern="0" spc="-100" dirty="0" err="1">
+                <a:solidFill>
+                  <a:srgbClr val="000000"/>
+                </a:solidFill>
+                <a:latin typeface="나눔고딕" panose="020D0604000000000000" pitchFamily="50" charset="-127"/>
+                <a:ea typeface="나눔고딕" panose="020D0604000000000000" pitchFamily="50" charset="-127"/>
+                <a:cs typeface="Noto Sans CJK KR DemiLight" pitchFamily="34" charset="0"/>
+              </a:rPr>
+              <a:t>서버를</a:t>
+            </a:r>
+            <a:r>
+              <a:rPr lang="en-US" altLang="ko-KR" sz="1800" kern="0" spc="-100" dirty="0">
+                <a:solidFill>
+                  <a:srgbClr val="000000"/>
+                </a:solidFill>
+                <a:latin typeface="나눔고딕" panose="020D0604000000000000" pitchFamily="50" charset="-127"/>
+                <a:ea typeface="나눔고딕" panose="020D0604000000000000" pitchFamily="50" charset="-127"/>
+                <a:cs typeface="Noto Sans CJK KR DemiLight" pitchFamily="34" charset="0"/>
+              </a:rPr>
+              <a:t> </a:t>
+            </a:r>
+            <a:r>
+              <a:rPr lang="en-US" altLang="ko-KR" sz="1800" kern="0" spc="-100" dirty="0" err="1">
+                <a:solidFill>
+                  <a:srgbClr val="000000"/>
+                </a:solidFill>
+                <a:latin typeface="나눔고딕" panose="020D0604000000000000" pitchFamily="50" charset="-127"/>
+                <a:ea typeface="나눔고딕" panose="020D0604000000000000" pitchFamily="50" charset="-127"/>
+                <a:cs typeface="Noto Sans CJK KR DemiLight" pitchFamily="34" charset="0"/>
+              </a:rPr>
+              <a:t>이용한</a:t>
+            </a:r>
+            <a:r>
+              <a:rPr lang="en-US" altLang="ko-KR" sz="1800" kern="0" spc="-100" dirty="0">
+                <a:solidFill>
+                  <a:srgbClr val="000000"/>
+                </a:solidFill>
+                <a:latin typeface="나눔고딕" panose="020D0604000000000000" pitchFamily="50" charset="-127"/>
+                <a:ea typeface="나눔고딕" panose="020D0604000000000000" pitchFamily="50" charset="-127"/>
+                <a:cs typeface="Noto Sans CJK KR DemiLight" pitchFamily="34" charset="0"/>
+              </a:rPr>
+              <a:t> </a:t>
+            </a:r>
+            <a:r>
+              <a:rPr lang="en-US" altLang="ko-KR" sz="1800" kern="0" spc="-100" dirty="0" err="1">
+                <a:solidFill>
+                  <a:srgbClr val="000000"/>
+                </a:solidFill>
+                <a:latin typeface="나눔고딕" panose="020D0604000000000000" pitchFamily="50" charset="-127"/>
+                <a:ea typeface="나눔고딕" panose="020D0604000000000000" pitchFamily="50" charset="-127"/>
+                <a:cs typeface="Noto Sans CJK KR DemiLight" pitchFamily="34" charset="0"/>
+              </a:rPr>
+              <a:t>통신</a:t>
+            </a:r>
+            <a:r>
+              <a:rPr lang="en-US" altLang="ko-KR" sz="1800" kern="0" spc="-100" dirty="0">
+                <a:solidFill>
+                  <a:srgbClr val="000000"/>
+                </a:solidFill>
+                <a:latin typeface="나눔고딕" panose="020D0604000000000000" pitchFamily="50" charset="-127"/>
+                <a:ea typeface="나눔고딕" panose="020D0604000000000000" pitchFamily="50" charset="-127"/>
+                <a:cs typeface="Noto Sans CJK KR DemiLight" pitchFamily="34" charset="0"/>
+              </a:rPr>
+              <a:t> App </a:t>
+            </a:r>
+            <a:r>
+              <a:rPr lang="en-US" altLang="ko-KR" sz="1800" kern="0" spc="-100" dirty="0" err="1">
+                <a:solidFill>
+                  <a:srgbClr val="000000"/>
+                </a:solidFill>
+                <a:latin typeface="나눔고딕" panose="020D0604000000000000" pitchFamily="50" charset="-127"/>
+                <a:ea typeface="나눔고딕" panose="020D0604000000000000" pitchFamily="50" charset="-127"/>
+                <a:cs typeface="Noto Sans CJK KR DemiLight" pitchFamily="34" charset="0"/>
+              </a:rPr>
+              <a:t>제작</a:t>
+            </a:r>
+            <a:endParaRPr lang="en-US" altLang="ko-KR" sz="1800" kern="0" spc="-100" dirty="0">
+              <a:solidFill>
+                <a:srgbClr val="000000"/>
+              </a:solidFill>
+              <a:latin typeface="나눔고딕" panose="020D0604000000000000" pitchFamily="50" charset="-127"/>
+              <a:ea typeface="나눔고딕" panose="020D0604000000000000" pitchFamily="50" charset="-127"/>
+              <a:cs typeface="Noto Sans CJK KR DemiLight" pitchFamily="34" charset="0"/>
             </a:endParaRPr>
           </a:p>
         </p:txBody>
